--- a/Project demo/KDM Project.pptx
+++ b/Project demo/KDM Project.pptx
@@ -14,9 +14,9 @@
     <p:sldId id="262" r:id="rId8"/>
     <p:sldId id="263" r:id="rId9"/>
     <p:sldId id="264" r:id="rId10"/>
-    <p:sldId id="265" r:id="rId11"/>
-    <p:sldId id="266" r:id="rId12"/>
-    <p:sldId id="267" r:id="rId13"/>
+    <p:sldId id="266" r:id="rId11"/>
+    <p:sldId id="267" r:id="rId12"/>
+    <p:sldId id="269" r:id="rId13"/>
   </p:sldIdLst>
   <p:sldSz cx="12192000" cy="6858000"/>
   <p:notesSz cx="6858000" cy="9144000"/>
@@ -115,6 +115,11 @@
       </a:defRPr>
     </a:lvl9pPr>
   </p:defaultTextStyle>
+  <p:extLst>
+    <p:ext uri="{EFAFB233-063F-42B5-8137-9DF3F51BA10A}">
+      <p15:sldGuideLst xmlns:p15="http://schemas.microsoft.com/office/powerpoint/2012/main"/>
+    </p:ext>
+  </p:extLst>
 </p:presentation>
 </file>
 
@@ -269,7 +274,7 @@
           <a:p>
             <a:fld id="{BBDF0DF1-55F9-428B-BC35-8B45715C64E8}" type="datetimeFigureOut">
               <a:rPr lang="en-US" smtClean="0"/>
-              <a:t>7/25/2017</a:t>
+              <a:t>7/26/2017</a:t>
             </a:fld>
             <a:endParaRPr lang="en-US"/>
           </a:p>
@@ -467,7 +472,7 @@
           <a:p>
             <a:fld id="{BBDF0DF1-55F9-428B-BC35-8B45715C64E8}" type="datetimeFigureOut">
               <a:rPr lang="en-US" smtClean="0"/>
-              <a:t>7/25/2017</a:t>
+              <a:t>7/26/2017</a:t>
             </a:fld>
             <a:endParaRPr lang="en-US"/>
           </a:p>
@@ -675,7 +680,7 @@
           <a:p>
             <a:fld id="{BBDF0DF1-55F9-428B-BC35-8B45715C64E8}" type="datetimeFigureOut">
               <a:rPr lang="en-US" smtClean="0"/>
-              <a:t>7/25/2017</a:t>
+              <a:t>7/26/2017</a:t>
             </a:fld>
             <a:endParaRPr lang="en-US"/>
           </a:p>
@@ -873,7 +878,7 @@
           <a:p>
             <a:fld id="{BBDF0DF1-55F9-428B-BC35-8B45715C64E8}" type="datetimeFigureOut">
               <a:rPr lang="en-US" smtClean="0"/>
-              <a:t>7/25/2017</a:t>
+              <a:t>7/26/2017</a:t>
             </a:fld>
             <a:endParaRPr lang="en-US"/>
           </a:p>
@@ -1148,7 +1153,7 @@
           <a:p>
             <a:fld id="{BBDF0DF1-55F9-428B-BC35-8B45715C64E8}" type="datetimeFigureOut">
               <a:rPr lang="en-US" smtClean="0"/>
-              <a:t>7/25/2017</a:t>
+              <a:t>7/26/2017</a:t>
             </a:fld>
             <a:endParaRPr lang="en-US"/>
           </a:p>
@@ -1413,7 +1418,7 @@
           <a:p>
             <a:fld id="{BBDF0DF1-55F9-428B-BC35-8B45715C64E8}" type="datetimeFigureOut">
               <a:rPr lang="en-US" smtClean="0"/>
-              <a:t>7/25/2017</a:t>
+              <a:t>7/26/2017</a:t>
             </a:fld>
             <a:endParaRPr lang="en-US"/>
           </a:p>
@@ -1825,7 +1830,7 @@
           <a:p>
             <a:fld id="{BBDF0DF1-55F9-428B-BC35-8B45715C64E8}" type="datetimeFigureOut">
               <a:rPr lang="en-US" smtClean="0"/>
-              <a:t>7/25/2017</a:t>
+              <a:t>7/26/2017</a:t>
             </a:fld>
             <a:endParaRPr lang="en-US"/>
           </a:p>
@@ -1966,7 +1971,7 @@
           <a:p>
             <a:fld id="{BBDF0DF1-55F9-428B-BC35-8B45715C64E8}" type="datetimeFigureOut">
               <a:rPr lang="en-US" smtClean="0"/>
-              <a:t>7/25/2017</a:t>
+              <a:t>7/26/2017</a:t>
             </a:fld>
             <a:endParaRPr lang="en-US"/>
           </a:p>
@@ -2079,7 +2084,7 @@
           <a:p>
             <a:fld id="{BBDF0DF1-55F9-428B-BC35-8B45715C64E8}" type="datetimeFigureOut">
               <a:rPr lang="en-US" smtClean="0"/>
-              <a:t>7/25/2017</a:t>
+              <a:t>7/26/2017</a:t>
             </a:fld>
             <a:endParaRPr lang="en-US"/>
           </a:p>
@@ -2390,7 +2395,7 @@
           <a:p>
             <a:fld id="{BBDF0DF1-55F9-428B-BC35-8B45715C64E8}" type="datetimeFigureOut">
               <a:rPr lang="en-US" smtClean="0"/>
-              <a:t>7/25/2017</a:t>
+              <a:t>7/26/2017</a:t>
             </a:fld>
             <a:endParaRPr lang="en-US"/>
           </a:p>
@@ -2678,7 +2683,7 @@
           <a:p>
             <a:fld id="{BBDF0DF1-55F9-428B-BC35-8B45715C64E8}" type="datetimeFigureOut">
               <a:rPr lang="en-US" smtClean="0"/>
-              <a:t>7/25/2017</a:t>
+              <a:t>7/26/2017</a:t>
             </a:fld>
             <a:endParaRPr lang="en-US"/>
           </a:p>
@@ -2919,7 +2924,7 @@
           <a:p>
             <a:fld id="{BBDF0DF1-55F9-428B-BC35-8B45715C64E8}" type="datetimeFigureOut">
               <a:rPr lang="en-US" smtClean="0"/>
-              <a:t>7/25/2017</a:t>
+              <a:t>7/26/2017</a:t>
             </a:fld>
             <a:endParaRPr lang="en-US"/>
           </a:p>
@@ -3475,7 +3480,7 @@
           <p:cNvPr id="2" name="Title 1">
             <a:extLst>
               <a:ext uri="{FF2B5EF4-FFF2-40B4-BE49-F238E27FC236}">
-                <a16:creationId xmlns:a16="http://schemas.microsoft.com/office/drawing/2014/main" id="{6849D83C-9CDC-4D3F-BFD5-4DE89D5DCD34}"/>
+                <a16:creationId xmlns:a16="http://schemas.microsoft.com/office/drawing/2014/main" id="{1898413E-30C4-4104-9EC0-AB2DD8CEF45D}"/>
               </a:ext>
             </a:extLst>
           </p:cNvPr>
@@ -3493,7 +3498,7 @@
           <a:p>
             <a:r>
               <a:rPr lang="en-US" dirty="0"/>
-              <a:t>Evaluation</a:t>
+              <a:t>Drawbacks</a:t>
             </a:r>
           </a:p>
         </p:txBody>
@@ -3503,7 +3508,7 @@
           <p:cNvPr id="3" name="Content Placeholder 2">
             <a:extLst>
               <a:ext uri="{FF2B5EF4-FFF2-40B4-BE49-F238E27FC236}">
-                <a16:creationId xmlns:a16="http://schemas.microsoft.com/office/drawing/2014/main" id="{144633C5-A2BE-4317-93FA-B8965E5B0262}"/>
+                <a16:creationId xmlns:a16="http://schemas.microsoft.com/office/drawing/2014/main" id="{56B6A228-04F0-4E0C-8C6B-732ABA3B5695}"/>
               </a:ext>
             </a:extLst>
           </p:cNvPr>
@@ -3519,14 +3524,50 @@
           <a:bodyPr/>
           <a:lstStyle/>
           <a:p>
-            <a:endParaRPr lang="en-US"/>
+            <a:pPr>
+              <a:lnSpc>
+                <a:spcPct val="250000"/>
+              </a:lnSpc>
+            </a:pPr>
+            <a:r>
+              <a:rPr lang="en-US" dirty="0"/>
+              <a:t>Junk values in raw data</a:t>
+            </a:r>
+          </a:p>
+          <a:p>
+            <a:pPr>
+              <a:lnSpc>
+                <a:spcPct val="250000"/>
+              </a:lnSpc>
+            </a:pPr>
+            <a:r>
+              <a:rPr lang="en-US" dirty="0"/>
+              <a:t>Incapable of answering questions having two predicates</a:t>
+            </a:r>
+          </a:p>
+          <a:p>
+            <a:pPr>
+              <a:lnSpc>
+                <a:spcPct val="250000"/>
+              </a:lnSpc>
+            </a:pPr>
+            <a:r>
+              <a:rPr lang="en-US" dirty="0"/>
+              <a:t>Processing only text format data</a:t>
+            </a:r>
+          </a:p>
+          <a:p>
+            <a:pPr marL="0" indent="0">
+              <a:buNone/>
+            </a:pPr>
+            <a:endParaRPr lang="en-US" dirty="0"/>
           </a:p>
         </p:txBody>
       </p:sp>
     </p:spTree>
     <p:extLst>
       <p:ext uri="{BB962C8B-B14F-4D97-AF65-F5344CB8AC3E}">
-        <p14:creationId xmlns:p14="http://schemas.microsoft.com/office/powerpoint/2010/main" val="137571097"/>
+        <p14:creationId xmlns:p14="http://schemas.microsoft.com/office/powerpoint/2010/main" val="456064497"/>
       </p:ext>
     </p:extLst>
   </p:cSld>
@@ -3558,7 +3599,7 @@
           <p:cNvPr id="2" name="Title 1">
             <a:extLst>
               <a:ext uri="{FF2B5EF4-FFF2-40B4-BE49-F238E27FC236}">
-                <a16:creationId xmlns:a16="http://schemas.microsoft.com/office/drawing/2014/main" id="{1898413E-30C4-4104-9EC0-AB2DD8CEF45D}"/>
+                <a16:creationId xmlns:a16="http://schemas.microsoft.com/office/drawing/2014/main" id="{81C0C305-5913-4E80-AE38-7811ACE93222}"/>
               </a:ext>
             </a:extLst>
           </p:cNvPr>
@@ -3576,7 +3617,7 @@
           <a:p>
             <a:r>
               <a:rPr lang="en-US" dirty="0"/>
-              <a:t>Drawbacks</a:t>
+              <a:t>Future Scope</a:t>
             </a:r>
           </a:p>
         </p:txBody>
@@ -3586,7 +3627,7 @@
           <p:cNvPr id="3" name="Content Placeholder 2">
             <a:extLst>
               <a:ext uri="{FF2B5EF4-FFF2-40B4-BE49-F238E27FC236}">
-                <a16:creationId xmlns:a16="http://schemas.microsoft.com/office/drawing/2014/main" id="{56B6A228-04F0-4E0C-8C6B-732ABA3B5695}"/>
+                <a16:creationId xmlns:a16="http://schemas.microsoft.com/office/drawing/2014/main" id="{7499B1B2-5CF5-4701-8E12-D01EF841DED3}"/>
               </a:ext>
             </a:extLst>
           </p:cNvPr>
@@ -3602,14 +3643,38 @@
           <a:bodyPr/>
           <a:lstStyle/>
           <a:p>
-            <a:endParaRPr lang="en-US"/>
+            <a:r>
+              <a:rPr lang="en-US" dirty="0"/>
+              <a:t>Multi Modal System</a:t>
+            </a:r>
+          </a:p>
+          <a:p>
+            <a:r>
+              <a:rPr lang="en-US" dirty="0"/>
+              <a:t>Multi Lingual System</a:t>
+            </a:r>
+          </a:p>
+          <a:p>
+            <a:r>
+              <a:rPr lang="en-US" dirty="0"/>
+              <a:t>Handling all type of Questions</a:t>
+            </a:r>
+          </a:p>
+          <a:p>
+            <a:r>
+              <a:rPr lang="en-US" dirty="0"/>
+              <a:t>Processing huge data sets</a:t>
+            </a:r>
+          </a:p>
+          <a:p>
+            <a:endParaRPr lang="en-US" dirty="0"/>
           </a:p>
         </p:txBody>
       </p:sp>
     </p:spTree>
     <p:extLst>
       <p:ext uri="{BB962C8B-B14F-4D97-AF65-F5344CB8AC3E}">
-        <p14:creationId xmlns:p14="http://schemas.microsoft.com/office/powerpoint/2010/main" val="456064497"/>
+        <p14:creationId xmlns:p14="http://schemas.microsoft.com/office/powerpoint/2010/main" val="1012985088"/>
       </p:ext>
     </p:extLst>
   </p:cSld>
@@ -3641,58 +3706,60 @@
           <p:cNvPr id="2" name="Title 1">
             <a:extLst>
               <a:ext uri="{FF2B5EF4-FFF2-40B4-BE49-F238E27FC236}">
-                <a16:creationId xmlns:a16="http://schemas.microsoft.com/office/drawing/2014/main" id="{81C0C305-5913-4E80-AE38-7811ACE93222}"/>
-              </a:ext>
-            </a:extLst>
-          </p:cNvPr>
-          <p:cNvSpPr>
-            <a:spLocks noGrp="1"/>
-          </p:cNvSpPr>
-          <p:nvPr>
-            <p:ph type="title"/>
-          </p:nvPr>
-        </p:nvSpPr>
-        <p:spPr/>
-        <p:txBody>
-          <a:bodyPr/>
-          <a:lstStyle/>
-          <a:p>
-            <a:r>
-              <a:rPr lang="en-US" dirty="0"/>
-              <a:t>Future Scope</a:t>
-            </a:r>
-          </a:p>
-        </p:txBody>
-      </p:sp>
-      <p:sp>
-        <p:nvSpPr>
-          <p:cNvPr id="3" name="Content Placeholder 2">
-            <a:extLst>
-              <a:ext uri="{FF2B5EF4-FFF2-40B4-BE49-F238E27FC236}">
-                <a16:creationId xmlns:a16="http://schemas.microsoft.com/office/drawing/2014/main" id="{7499B1B2-5CF5-4701-8E12-D01EF841DED3}"/>
-              </a:ext>
-            </a:extLst>
-          </p:cNvPr>
-          <p:cNvSpPr>
-            <a:spLocks noGrp="1"/>
-          </p:cNvSpPr>
-          <p:nvPr>
-            <p:ph idx="1"/>
-          </p:nvPr>
-        </p:nvSpPr>
-        <p:spPr/>
-        <p:txBody>
-          <a:bodyPr/>
-          <a:lstStyle/>
-          <a:p>
-            <a:endParaRPr lang="en-US"/>
+                <a16:creationId xmlns:a16="http://schemas.microsoft.com/office/drawing/2014/main" id="{B9CABC5B-F74F-4C3B-B924-14B155039251}"/>
+              </a:ext>
+            </a:extLst>
+          </p:cNvPr>
+          <p:cNvSpPr>
+            <a:spLocks noGrp="1"/>
+          </p:cNvSpPr>
+          <p:nvPr>
+            <p:ph type="ctrTitle"/>
+          </p:nvPr>
+        </p:nvSpPr>
+        <p:spPr/>
+        <p:txBody>
+          <a:bodyPr>
+            <a:normAutofit/>
+          </a:bodyPr>
+          <a:lstStyle/>
+          <a:p>
+            <a:r>
+              <a:rPr lang="en-US" sz="10000" dirty="0"/>
+              <a:t>Thank you</a:t>
+            </a:r>
+          </a:p>
+        </p:txBody>
+      </p:sp>
+      <p:sp>
+        <p:nvSpPr>
+          <p:cNvPr id="3" name="Subtitle 2">
+            <a:extLst>
+              <a:ext uri="{FF2B5EF4-FFF2-40B4-BE49-F238E27FC236}">
+                <a16:creationId xmlns:a16="http://schemas.microsoft.com/office/drawing/2014/main" id="{DA887977-8B41-4199-89B0-425E912D1BEB}"/>
+              </a:ext>
+            </a:extLst>
+          </p:cNvPr>
+          <p:cNvSpPr>
+            <a:spLocks noGrp="1"/>
+          </p:cNvSpPr>
+          <p:nvPr>
+            <p:ph type="subTitle" idx="1"/>
+          </p:nvPr>
+        </p:nvSpPr>
+        <p:spPr/>
+        <p:txBody>
+          <a:bodyPr/>
+          <a:lstStyle/>
+          <a:p>
+            <a:endParaRPr lang="en-US" dirty="0"/>
           </a:p>
         </p:txBody>
       </p:sp>
     </p:spTree>
     <p:extLst>
       <p:ext uri="{BB962C8B-B14F-4D97-AF65-F5344CB8AC3E}">
-        <p14:creationId xmlns:p14="http://schemas.microsoft.com/office/powerpoint/2010/main" val="1012985088"/>
+        <p14:creationId xmlns:p14="http://schemas.microsoft.com/office/powerpoint/2010/main" val="4154769940"/>
       </p:ext>
     </p:extLst>
   </p:cSld>
@@ -3933,7 +4000,12 @@
             <p:ph type="title"/>
           </p:nvPr>
         </p:nvSpPr>
-        <p:spPr/>
+        <p:spPr>
+          <a:xfrm>
+            <a:off x="978877" y="1"/>
+            <a:ext cx="10515600" cy="1392702"/>
+          </a:xfrm>
+        </p:spPr>
         <p:txBody>
           <a:bodyPr/>
           <a:lstStyle/>
@@ -3945,34 +4017,38 @@
           </a:p>
         </p:txBody>
       </p:sp>
-      <p:sp>
-        <p:nvSpPr>
-          <p:cNvPr id="3" name="Content Placeholder 2">
-            <a:extLst>
-              <a:ext uri="{FF2B5EF4-FFF2-40B4-BE49-F238E27FC236}">
-                <a16:creationId xmlns:a16="http://schemas.microsoft.com/office/drawing/2014/main" id="{79068056-891F-4F76-BA4A-1F00ACCBB291}"/>
-              </a:ext>
-            </a:extLst>
-          </p:cNvPr>
-          <p:cNvSpPr>
-            <a:spLocks noGrp="1"/>
-          </p:cNvSpPr>
+      <p:pic>
+        <p:nvPicPr>
+          <p:cNvPr id="4" name="Content Placeholder 3">
+            <a:extLst>
+              <a:ext uri="{FF2B5EF4-FFF2-40B4-BE49-F238E27FC236}">
+                <a16:creationId xmlns:a16="http://schemas.microsoft.com/office/drawing/2014/main" id="{E79AE760-E518-4AF0-B967-BB78E06AB445}"/>
+              </a:ext>
+            </a:extLst>
+          </p:cNvPr>
+          <p:cNvPicPr>
+            <a:picLocks noGrp="1" noChangeAspect="1"/>
+          </p:cNvPicPr>
           <p:nvPr>
             <p:ph idx="1"/>
           </p:nvPr>
-        </p:nvSpPr>
-        <p:spPr/>
-        <p:txBody>
-          <a:bodyPr/>
-          <a:lstStyle/>
-          <a:p>
-            <a:pPr marL="0" indent="0">
-              <a:buNone/>
-            </a:pPr>
-            <a:endParaRPr lang="en-US" dirty="0"/>
-          </a:p>
-        </p:txBody>
-      </p:sp>
+        </p:nvPicPr>
+        <p:blipFill>
+          <a:blip r:embed="rId2"/>
+          <a:stretch>
+            <a:fillRect/>
+          </a:stretch>
+        </p:blipFill>
+        <p:spPr>
+          <a:xfrm>
+            <a:off x="838200" y="1041009"/>
+            <a:ext cx="9782907" cy="5711483"/>
+          </a:xfrm>
+          <a:prstGeom prst="rect">
+            <a:avLst/>
+          </a:prstGeom>
+        </p:spPr>
+      </p:pic>
     </p:spTree>
     <p:extLst>
       <p:ext uri="{BB962C8B-B14F-4D97-AF65-F5344CB8AC3E}">
@@ -4173,7 +4249,7 @@
           <a:lstStyle/>
           <a:p>
             <a:r>
-              <a:rPr lang="en-US" dirty="0"/>
+              <a:rPr lang="en-US" b="1" dirty="0"/>
               <a:t>Data sets</a:t>
             </a:r>
           </a:p>
@@ -4195,11 +4271,49 @@
             <p:ph idx="1"/>
           </p:nvPr>
         </p:nvSpPr>
-        <p:spPr/>
-        <p:txBody>
-          <a:bodyPr/>
-          <a:lstStyle/>
-          <a:p>
+        <p:spPr>
+          <a:xfrm>
+            <a:off x="838200" y="1786597"/>
+            <a:ext cx="10515600" cy="4390366"/>
+          </a:xfrm>
+        </p:spPr>
+        <p:txBody>
+          <a:bodyPr/>
+          <a:lstStyle/>
+          <a:p>
+            <a:r>
+              <a:rPr lang="en-US" sz="4800" dirty="0"/>
+              <a:t>BBC Sports</a:t>
+            </a:r>
+          </a:p>
+          <a:p>
+            <a:r>
+              <a:rPr lang="en-US" sz="4800" dirty="0"/>
+              <a:t>Greek Elections </a:t>
+            </a:r>
+            <a:r>
+              <a:rPr lang="en-US" sz="4800" dirty="0" err="1"/>
+              <a:t>DataSet</a:t>
+            </a:r>
+            <a:r>
+              <a:rPr lang="en-US" sz="4800" dirty="0"/>
+              <a:t> </a:t>
+            </a:r>
+          </a:p>
+          <a:p>
+            <a:r>
+              <a:rPr lang="en-US" sz="4800" dirty="0" err="1"/>
+              <a:t>EarthQuakes</a:t>
+            </a:r>
+            <a:r>
+              <a:rPr lang="en-US" sz="4800" dirty="0"/>
+              <a:t> Dataset</a:t>
+            </a:r>
+          </a:p>
+          <a:p>
+            <a:pPr marL="0" indent="0">
+              <a:buNone/>
+            </a:pPr>
             <a:endParaRPr lang="en-US" dirty="0"/>
           </a:p>
         </p:txBody>
@@ -4250,43 +4364,115 @@
             <p:ph type="title"/>
           </p:nvPr>
         </p:nvSpPr>
-        <p:spPr/>
-        <p:txBody>
-          <a:bodyPr/>
-          <a:lstStyle/>
-          <a:p>
-            <a:r>
-              <a:rPr lang="en-US" dirty="0"/>
-              <a:t>ds1</a:t>
-            </a:r>
-          </a:p>
-        </p:txBody>
-      </p:sp>
-      <p:sp>
-        <p:nvSpPr>
-          <p:cNvPr id="3" name="Content Placeholder 2">
-            <a:extLst>
-              <a:ext uri="{FF2B5EF4-FFF2-40B4-BE49-F238E27FC236}">
-                <a16:creationId xmlns:a16="http://schemas.microsoft.com/office/drawing/2014/main" id="{DB47FBA8-0AC4-4971-A51E-28EAFDF8BAB7}"/>
-              </a:ext>
-            </a:extLst>
-          </p:cNvPr>
-          <p:cNvSpPr>
-            <a:spLocks noGrp="1"/>
-          </p:cNvSpPr>
+        <p:spPr>
+          <a:xfrm>
+            <a:off x="838200" y="0"/>
+            <a:ext cx="10515600" cy="1325563"/>
+          </a:xfrm>
+        </p:spPr>
+        <p:txBody>
+          <a:bodyPr/>
+          <a:lstStyle/>
+          <a:p>
+            <a:r>
+              <a:rPr lang="en-US" b="1" dirty="0"/>
+              <a:t>Results-BBC Sports</a:t>
+            </a:r>
+          </a:p>
+        </p:txBody>
+      </p:sp>
+      <p:pic>
+        <p:nvPicPr>
+          <p:cNvPr id="4" name="Content Placeholder 3">
+            <a:extLst>
+              <a:ext uri="{FF2B5EF4-FFF2-40B4-BE49-F238E27FC236}">
+                <a16:creationId xmlns:a16="http://schemas.microsoft.com/office/drawing/2014/main" id="{BA4D5025-2619-428F-9303-A6E1A99C9E5D}"/>
+              </a:ext>
+            </a:extLst>
+          </p:cNvPr>
+          <p:cNvPicPr>
+            <a:picLocks noGrp="1" noChangeAspect="1"/>
+          </p:cNvPicPr>
           <p:nvPr>
             <p:ph idx="1"/>
           </p:nvPr>
-        </p:nvSpPr>
-        <p:spPr/>
-        <p:txBody>
-          <a:bodyPr/>
-          <a:lstStyle/>
-          <a:p>
-            <a:endParaRPr lang="en-US"/>
-          </a:p>
-        </p:txBody>
-      </p:sp>
+        </p:nvPicPr>
+        <p:blipFill>
+          <a:blip r:embed="rId2"/>
+          <a:stretch>
+            <a:fillRect/>
+          </a:stretch>
+        </p:blipFill>
+        <p:spPr>
+          <a:xfrm>
+            <a:off x="882697" y="1198318"/>
+            <a:ext cx="5213303" cy="2768771"/>
+          </a:xfrm>
+          <a:prstGeom prst="rect">
+            <a:avLst/>
+          </a:prstGeom>
+        </p:spPr>
+      </p:pic>
+      <p:pic>
+        <p:nvPicPr>
+          <p:cNvPr id="5" name="Picture 4">
+            <a:extLst>
+              <a:ext uri="{FF2B5EF4-FFF2-40B4-BE49-F238E27FC236}">
+                <a16:creationId xmlns:a16="http://schemas.microsoft.com/office/drawing/2014/main" id="{9C5C857A-DD4C-4FFF-B198-6A5CD6C9937C}"/>
+              </a:ext>
+            </a:extLst>
+          </p:cNvPr>
+          <p:cNvPicPr>
+            <a:picLocks noChangeAspect="1"/>
+          </p:cNvPicPr>
+          <p:nvPr/>
+        </p:nvPicPr>
+        <p:blipFill>
+          <a:blip r:embed="rId3"/>
+          <a:stretch>
+            <a:fillRect/>
+          </a:stretch>
+        </p:blipFill>
+        <p:spPr>
+          <a:xfrm>
+            <a:off x="6249352" y="1198318"/>
+            <a:ext cx="5806660" cy="2768771"/>
+          </a:xfrm>
+          <a:prstGeom prst="rect">
+            <a:avLst/>
+          </a:prstGeom>
+        </p:spPr>
+      </p:pic>
+      <p:pic>
+        <p:nvPicPr>
+          <p:cNvPr id="6" name="Picture 5">
+            <a:extLst>
+              <a:ext uri="{FF2B5EF4-FFF2-40B4-BE49-F238E27FC236}">
+                <a16:creationId xmlns:a16="http://schemas.microsoft.com/office/drawing/2014/main" id="{06AF2C2F-3CEB-47C5-80C0-CF7B87541F39}"/>
+              </a:ext>
+            </a:extLst>
+          </p:cNvPr>
+          <p:cNvPicPr>
+            <a:picLocks noChangeAspect="1"/>
+          </p:cNvPicPr>
+          <p:nvPr/>
+        </p:nvPicPr>
+        <p:blipFill>
+          <a:blip r:embed="rId4"/>
+          <a:stretch>
+            <a:fillRect/>
+          </a:stretch>
+        </p:blipFill>
+        <p:spPr>
+          <a:xfrm>
+            <a:off x="3068002" y="4135901"/>
+            <a:ext cx="6362700" cy="2722099"/>
+          </a:xfrm>
+          <a:prstGeom prst="rect">
+            <a:avLst/>
+          </a:prstGeom>
+        </p:spPr>
+      </p:pic>
     </p:spTree>
     <p:extLst>
       <p:ext uri="{BB962C8B-B14F-4D97-AF65-F5344CB8AC3E}">
@@ -4333,43 +4519,115 @@
             <p:ph type="title"/>
           </p:nvPr>
         </p:nvSpPr>
-        <p:spPr/>
-        <p:txBody>
-          <a:bodyPr/>
-          <a:lstStyle/>
-          <a:p>
-            <a:r>
-              <a:rPr lang="en-US" dirty="0"/>
-              <a:t>ds2</a:t>
-            </a:r>
-          </a:p>
-        </p:txBody>
-      </p:sp>
-      <p:sp>
-        <p:nvSpPr>
-          <p:cNvPr id="3" name="Content Placeholder 2">
-            <a:extLst>
-              <a:ext uri="{FF2B5EF4-FFF2-40B4-BE49-F238E27FC236}">
-                <a16:creationId xmlns:a16="http://schemas.microsoft.com/office/drawing/2014/main" id="{E8F4024C-756F-42AD-8E4B-A7BB381946E8}"/>
-              </a:ext>
-            </a:extLst>
-          </p:cNvPr>
-          <p:cNvSpPr>
-            <a:spLocks noGrp="1"/>
-          </p:cNvSpPr>
+        <p:spPr>
+          <a:xfrm>
+            <a:off x="838200" y="365126"/>
+            <a:ext cx="10515600" cy="1140118"/>
+          </a:xfrm>
+        </p:spPr>
+        <p:txBody>
+          <a:bodyPr/>
+          <a:lstStyle/>
+          <a:p>
+            <a:r>
+              <a:rPr lang="en-US" b="1" dirty="0"/>
+              <a:t>Results-Greek Elections</a:t>
+            </a:r>
+          </a:p>
+        </p:txBody>
+      </p:sp>
+      <p:pic>
+        <p:nvPicPr>
+          <p:cNvPr id="4" name="Content Placeholder 3">
+            <a:extLst>
+              <a:ext uri="{FF2B5EF4-FFF2-40B4-BE49-F238E27FC236}">
+                <a16:creationId xmlns:a16="http://schemas.microsoft.com/office/drawing/2014/main" id="{16B29789-7BAE-4C1A-912D-FE31FFFF1CE4}"/>
+              </a:ext>
+            </a:extLst>
+          </p:cNvPr>
+          <p:cNvPicPr>
+            <a:picLocks noGrp="1" noChangeAspect="1"/>
+          </p:cNvPicPr>
           <p:nvPr>
             <p:ph idx="1"/>
           </p:nvPr>
-        </p:nvSpPr>
-        <p:spPr/>
-        <p:txBody>
-          <a:bodyPr/>
-          <a:lstStyle/>
-          <a:p>
-            <a:endParaRPr lang="en-US"/>
-          </a:p>
-        </p:txBody>
-      </p:sp>
+        </p:nvPicPr>
+        <p:blipFill>
+          <a:blip r:embed="rId2"/>
+          <a:stretch>
+            <a:fillRect/>
+          </a:stretch>
+        </p:blipFill>
+        <p:spPr>
+          <a:xfrm>
+            <a:off x="838200" y="1505244"/>
+            <a:ext cx="5429250" cy="2562225"/>
+          </a:xfrm>
+          <a:prstGeom prst="rect">
+            <a:avLst/>
+          </a:prstGeom>
+        </p:spPr>
+      </p:pic>
+      <p:pic>
+        <p:nvPicPr>
+          <p:cNvPr id="5" name="Picture 4">
+            <a:extLst>
+              <a:ext uri="{FF2B5EF4-FFF2-40B4-BE49-F238E27FC236}">
+                <a16:creationId xmlns:a16="http://schemas.microsoft.com/office/drawing/2014/main" id="{E6529B9F-F333-4574-96C4-CC9AA177D6C0}"/>
+              </a:ext>
+            </a:extLst>
+          </p:cNvPr>
+          <p:cNvPicPr>
+            <a:picLocks noChangeAspect="1"/>
+          </p:cNvPicPr>
+          <p:nvPr/>
+        </p:nvPicPr>
+        <p:blipFill>
+          <a:blip r:embed="rId3"/>
+          <a:stretch>
+            <a:fillRect/>
+          </a:stretch>
+        </p:blipFill>
+        <p:spPr>
+          <a:xfrm>
+            <a:off x="6420290" y="1505244"/>
+            <a:ext cx="5480978" cy="2562225"/>
+          </a:xfrm>
+          <a:prstGeom prst="rect">
+            <a:avLst/>
+          </a:prstGeom>
+        </p:spPr>
+      </p:pic>
+      <p:pic>
+        <p:nvPicPr>
+          <p:cNvPr id="6" name="Picture 5">
+            <a:extLst>
+              <a:ext uri="{FF2B5EF4-FFF2-40B4-BE49-F238E27FC236}">
+                <a16:creationId xmlns:a16="http://schemas.microsoft.com/office/drawing/2014/main" id="{3CC95C69-F390-4F07-9CC4-665054C0CCF1}"/>
+              </a:ext>
+            </a:extLst>
+          </p:cNvPr>
+          <p:cNvPicPr>
+            <a:picLocks noChangeAspect="1"/>
+          </p:cNvPicPr>
+          <p:nvPr/>
+        </p:nvPicPr>
+        <p:blipFill>
+          <a:blip r:embed="rId4"/>
+          <a:stretch>
+            <a:fillRect/>
+          </a:stretch>
+        </p:blipFill>
+        <p:spPr>
+          <a:xfrm>
+            <a:off x="2896040" y="4169313"/>
+            <a:ext cx="7048500" cy="2514600"/>
+          </a:xfrm>
+          <a:prstGeom prst="rect">
+            <a:avLst/>
+          </a:prstGeom>
+        </p:spPr>
+      </p:pic>
     </p:spTree>
     <p:extLst>
       <p:ext uri="{BB962C8B-B14F-4D97-AF65-F5344CB8AC3E}">
@@ -4416,43 +4674,120 @@
             <p:ph type="title"/>
           </p:nvPr>
         </p:nvSpPr>
-        <p:spPr/>
-        <p:txBody>
-          <a:bodyPr/>
-          <a:lstStyle/>
-          <a:p>
-            <a:r>
-              <a:rPr lang="en-US" dirty="0"/>
-              <a:t>ds3</a:t>
-            </a:r>
-          </a:p>
-        </p:txBody>
-      </p:sp>
-      <p:sp>
-        <p:nvSpPr>
-          <p:cNvPr id="3" name="Content Placeholder 2">
-            <a:extLst>
-              <a:ext uri="{FF2B5EF4-FFF2-40B4-BE49-F238E27FC236}">
-                <a16:creationId xmlns:a16="http://schemas.microsoft.com/office/drawing/2014/main" id="{48EAC9CD-B0A8-4A1A-B8BA-E006170F3EE3}"/>
-              </a:ext>
-            </a:extLst>
-          </p:cNvPr>
-          <p:cNvSpPr>
-            <a:spLocks noGrp="1"/>
-          </p:cNvSpPr>
+        <p:spPr>
+          <a:xfrm>
+            <a:off x="907222" y="211797"/>
+            <a:ext cx="10515600" cy="1325563"/>
+          </a:xfrm>
+        </p:spPr>
+        <p:txBody>
+          <a:bodyPr/>
+          <a:lstStyle/>
+          <a:p>
+            <a:r>
+              <a:rPr lang="en-US" b="1" dirty="0"/>
+              <a:t>Results- </a:t>
+            </a:r>
+            <a:r>
+              <a:rPr lang="en-US" b="1" dirty="0" err="1"/>
+              <a:t>EarthQuakes</a:t>
+            </a:r>
+            <a:endParaRPr lang="en-US" b="1" dirty="0"/>
+          </a:p>
+        </p:txBody>
+      </p:sp>
+      <p:pic>
+        <p:nvPicPr>
+          <p:cNvPr id="4" name="Content Placeholder 3">
+            <a:extLst>
+              <a:ext uri="{FF2B5EF4-FFF2-40B4-BE49-F238E27FC236}">
+                <a16:creationId xmlns:a16="http://schemas.microsoft.com/office/drawing/2014/main" id="{6941164D-BFF1-4782-972C-A83127220759}"/>
+              </a:ext>
+            </a:extLst>
+          </p:cNvPr>
+          <p:cNvPicPr>
+            <a:picLocks noGrp="1" noChangeAspect="1"/>
+          </p:cNvPicPr>
           <p:nvPr>
             <p:ph idx="1"/>
           </p:nvPr>
-        </p:nvSpPr>
-        <p:spPr/>
-        <p:txBody>
-          <a:bodyPr/>
-          <a:lstStyle/>
-          <a:p>
-            <a:endParaRPr lang="en-US"/>
-          </a:p>
-        </p:txBody>
-      </p:sp>
+        </p:nvPicPr>
+        <p:blipFill>
+          <a:blip r:embed="rId2"/>
+          <a:stretch>
+            <a:fillRect/>
+          </a:stretch>
+        </p:blipFill>
+        <p:spPr>
+          <a:xfrm>
+            <a:off x="978218" y="1537360"/>
+            <a:ext cx="5478853" cy="2609850"/>
+          </a:xfrm>
+          <a:prstGeom prst="rect">
+            <a:avLst/>
+          </a:prstGeom>
+        </p:spPr>
+      </p:pic>
+      <p:pic>
+        <p:nvPicPr>
+          <p:cNvPr id="5" name="Picture 4">
+            <a:extLst>
+              <a:ext uri="{FF2B5EF4-FFF2-40B4-BE49-F238E27FC236}">
+                <a16:creationId xmlns:a16="http://schemas.microsoft.com/office/drawing/2014/main" id="{559DA416-1F99-46FB-A70E-7575F97459C7}"/>
+              </a:ext>
+            </a:extLst>
+          </p:cNvPr>
+          <p:cNvPicPr>
+            <a:picLocks noChangeAspect="1"/>
+          </p:cNvPicPr>
+          <p:nvPr/>
+        </p:nvPicPr>
+        <p:blipFill>
+          <a:blip r:embed="rId3"/>
+          <a:stretch>
+            <a:fillRect/>
+          </a:stretch>
+        </p:blipFill>
+        <p:spPr>
+          <a:xfrm>
+            <a:off x="6864376" y="1537361"/>
+            <a:ext cx="5314950" cy="2609850"/>
+          </a:xfrm>
+          <a:prstGeom prst="rect">
+            <a:avLst/>
+          </a:prstGeom>
+        </p:spPr>
+      </p:pic>
+      <p:pic>
+        <p:nvPicPr>
+          <p:cNvPr id="6" name="Picture 5">
+            <a:extLst>
+              <a:ext uri="{FF2B5EF4-FFF2-40B4-BE49-F238E27FC236}">
+                <a16:creationId xmlns:a16="http://schemas.microsoft.com/office/drawing/2014/main" id="{3F803DDF-D090-4D6E-B807-79091B1771ED}"/>
+              </a:ext>
+            </a:extLst>
+          </p:cNvPr>
+          <p:cNvPicPr>
+            <a:picLocks noChangeAspect="1"/>
+          </p:cNvPicPr>
+          <p:nvPr/>
+        </p:nvPicPr>
+        <p:blipFill>
+          <a:blip r:embed="rId4"/>
+          <a:stretch>
+            <a:fillRect/>
+          </a:stretch>
+        </p:blipFill>
+        <p:spPr>
+          <a:xfrm>
+            <a:off x="3861508" y="4189414"/>
+            <a:ext cx="5191125" cy="2562225"/>
+          </a:xfrm>
+          <a:prstGeom prst="rect">
+            <a:avLst/>
+          </a:prstGeom>
+        </p:spPr>
+      </p:pic>
     </p:spTree>
     <p:extLst>
       <p:ext uri="{BB962C8B-B14F-4D97-AF65-F5344CB8AC3E}">
